--- a/Lectures/Class2_WhatIsDataViz.pptx
+++ b/Lectures/Class2_WhatIsDataViz.pptx
@@ -15,6 +15,7 @@
     <p:sldId id="262" r:id="rId9"/>
     <p:sldId id="263" r:id="rId10"/>
     <p:sldId id="264" r:id="rId11"/>
+    <p:sldId id="266" r:id="rId12"/>
   </p:sldIdLst>
   <p:sldSz cx="9144000" cy="6858000" type="screen4x3"/>
   <p:notesSz cx="6858000" cy="9144000"/>
@@ -3216,7 +3217,7 @@
         <p:spPr/>
         <p:txBody>
           <a:bodyPr>
-            <a:normAutofit fontScale="92500" lnSpcReduction="10000"/>
+            <a:normAutofit/>
           </a:bodyPr>
           <a:lstStyle/>
           <a:p>
@@ -3254,27 +3255,6 @@
               <a:rPr lang="en-US" dirty="0" smtClean="0"/>
               <a:t>What did you take away from this? </a:t>
             </a:r>
-          </a:p>
-          <a:p>
-            <a:r>
-              <a:rPr lang="en-US" dirty="0" smtClean="0"/>
-              <a:t>For next class, read Kevin </a:t>
-            </a:r>
-            <a:r>
-              <a:rPr lang="en-US" dirty="0" err="1" smtClean="0"/>
-              <a:t>Quealy’s</a:t>
-            </a:r>
-            <a:r>
-              <a:rPr lang="en-US" dirty="0" smtClean="0"/>
-              <a:t> post on this (third link in your Google search).</a:t>
-            </a:r>
-          </a:p>
-          <a:p>
-            <a:r>
-              <a:rPr lang="en-US" dirty="0" smtClean="0"/>
-              <a:t>Note the process.</a:t>
-            </a:r>
-            <a:endParaRPr lang="en-US" dirty="0"/>
           </a:p>
         </p:txBody>
       </p:sp>
@@ -3282,6 +3262,131 @@
     <p:extLst>
       <p:ext uri="{BB962C8B-B14F-4D97-AF65-F5344CB8AC3E}">
         <p14:creationId xmlns:p14="http://schemas.microsoft.com/office/powerpoint/2010/main" val="276101938"/>
+      </p:ext>
+    </p:extLst>
+  </p:cSld>
+  <p:clrMapOvr>
+    <a:masterClrMapping/>
+  </p:clrMapOvr>
+</p:sld>
+</file>
+
+<file path=ppt/slides/slide11.xml><?xml version="1.0" encoding="utf-8"?>
+<p:sld xmlns:a="http://schemas.openxmlformats.org/drawingml/2006/main" xmlns:r="http://schemas.openxmlformats.org/officeDocument/2006/relationships" xmlns:p="http://schemas.openxmlformats.org/presentationml/2006/main">
+  <p:cSld>
+    <p:spTree>
+      <p:nvGrpSpPr>
+        <p:cNvPr id="1" name=""/>
+        <p:cNvGrpSpPr/>
+        <p:nvPr/>
+      </p:nvGrpSpPr>
+      <p:grpSpPr>
+        <a:xfrm>
+          <a:off x="0" y="0"/>
+          <a:ext cx="0" cy="0"/>
+          <a:chOff x="0" y="0"/>
+          <a:chExt cx="0" cy="0"/>
+        </a:xfrm>
+      </p:grpSpPr>
+      <p:sp>
+        <p:nvSpPr>
+          <p:cNvPr id="2" name="Title 1"/>
+          <p:cNvSpPr>
+            <a:spLocks noGrp="1"/>
+          </p:cNvSpPr>
+          <p:nvPr>
+            <p:ph type="title"/>
+          </p:nvPr>
+        </p:nvSpPr>
+        <p:spPr/>
+        <p:txBody>
+          <a:bodyPr/>
+          <a:lstStyle/>
+          <a:p>
+            <a:r>
+              <a:rPr lang="en-US" dirty="0" smtClean="0"/>
+              <a:t>Homework</a:t>
+            </a:r>
+            <a:endParaRPr lang="en-US" dirty="0"/>
+          </a:p>
+        </p:txBody>
+      </p:sp>
+      <p:sp>
+        <p:nvSpPr>
+          <p:cNvPr id="3" name="Content Placeholder 2"/>
+          <p:cNvSpPr>
+            <a:spLocks noGrp="1"/>
+          </p:cNvSpPr>
+          <p:nvPr>
+            <p:ph idx="1"/>
+          </p:nvPr>
+        </p:nvSpPr>
+        <p:spPr/>
+        <p:txBody>
+          <a:bodyPr>
+            <a:normAutofit/>
+          </a:bodyPr>
+          <a:lstStyle/>
+          <a:p>
+            <a:r>
+              <a:rPr lang="en-US" dirty="0" smtClean="0"/>
+              <a:t>Read </a:t>
+            </a:r>
+            <a:r>
+              <a:rPr lang="en-US" dirty="0" err="1" smtClean="0"/>
+              <a:t>Tufte</a:t>
+            </a:r>
+            <a:r>
+              <a:rPr lang="en-US" dirty="0" smtClean="0"/>
+              <a:t> Chapter 1 Part 1 on Graphical Excellence (pg. 13-51).</a:t>
+            </a:r>
+          </a:p>
+          <a:p>
+            <a:r>
+              <a:rPr lang="en-US" dirty="0" smtClean="0"/>
+              <a:t>Read Kevin </a:t>
+            </a:r>
+            <a:r>
+              <a:rPr lang="en-US" dirty="0" err="1" smtClean="0"/>
+              <a:t>Quealy’s</a:t>
+            </a:r>
+            <a:r>
+              <a:rPr lang="en-US" dirty="0" smtClean="0"/>
+              <a:t> post on </a:t>
+            </a:r>
+            <a:r>
+              <a:rPr lang="en-US" dirty="0" err="1" smtClean="0"/>
+              <a:t>chartsnthings</a:t>
+            </a:r>
+            <a:r>
+              <a:rPr lang="en-US" dirty="0" smtClean="0"/>
+              <a:t> about Money on the Bench (third link in your Google search for money on the bench). </a:t>
+            </a:r>
+            <a:r>
+              <a:rPr lang="en-US" dirty="0" smtClean="0"/>
+              <a:t>Note the </a:t>
+            </a:r>
+            <a:r>
+              <a:rPr lang="en-US" smtClean="0"/>
+              <a:t>process.</a:t>
+            </a:r>
+            <a:endParaRPr lang="en-US" dirty="0" smtClean="0"/>
+          </a:p>
+          <a:p>
+            <a:r>
+              <a:rPr lang="en-US" dirty="0" smtClean="0"/>
+              <a:t>Update your forked course repository. Hint: Google “update forked repository” </a:t>
+            </a:r>
+          </a:p>
+          <a:p>
+            <a:endParaRPr lang="en-US" dirty="0"/>
+          </a:p>
+        </p:txBody>
+      </p:sp>
+    </p:spTree>
+    <p:extLst>
+      <p:ext uri="{BB962C8B-B14F-4D97-AF65-F5344CB8AC3E}">
+        <p14:creationId xmlns:p14="http://schemas.microsoft.com/office/powerpoint/2010/main" val="4090532089"/>
       </p:ext>
     </p:extLst>
   </p:cSld>

--- a/Lectures/Class2_WhatIsDataViz.pptx
+++ b/Lectures/Class2_WhatIsDataViz.pptx
@@ -11,11 +11,12 @@
     <p:sldId id="260" r:id="rId5"/>
     <p:sldId id="258" r:id="rId6"/>
     <p:sldId id="265" r:id="rId7"/>
-    <p:sldId id="261" r:id="rId8"/>
-    <p:sldId id="262" r:id="rId9"/>
-    <p:sldId id="263" r:id="rId10"/>
-    <p:sldId id="264" r:id="rId11"/>
-    <p:sldId id="266" r:id="rId12"/>
+    <p:sldId id="267" r:id="rId8"/>
+    <p:sldId id="261" r:id="rId9"/>
+    <p:sldId id="262" r:id="rId10"/>
+    <p:sldId id="263" r:id="rId11"/>
+    <p:sldId id="264" r:id="rId12"/>
+    <p:sldId id="266" r:id="rId13"/>
   </p:sldIdLst>
   <p:sldSz cx="9144000" cy="6858000" type="screen4x3"/>
   <p:notesSz cx="6858000" cy="9144000"/>
@@ -298,7 +299,7 @@
           <a:p>
             <a:fld id="{1390EE51-D233-F14A-8725-ADCF8D5CB844}" type="datetimeFigureOut">
               <a:rPr lang="en-US" smtClean="0"/>
-              <a:t>8/29/13</a:t>
+              <a:t>1/15/15</a:t>
             </a:fld>
             <a:endParaRPr lang="en-US"/>
           </a:p>
@@ -468,7 +469,7 @@
           <a:p>
             <a:fld id="{1390EE51-D233-F14A-8725-ADCF8D5CB844}" type="datetimeFigureOut">
               <a:rPr lang="en-US" smtClean="0"/>
-              <a:t>8/29/13</a:t>
+              <a:t>1/15/15</a:t>
             </a:fld>
             <a:endParaRPr lang="en-US"/>
           </a:p>
@@ -648,7 +649,7 @@
           <a:p>
             <a:fld id="{1390EE51-D233-F14A-8725-ADCF8D5CB844}" type="datetimeFigureOut">
               <a:rPr lang="en-US" smtClean="0"/>
-              <a:t>8/29/13</a:t>
+              <a:t>1/15/15</a:t>
             </a:fld>
             <a:endParaRPr lang="en-US"/>
           </a:p>
@@ -818,7 +819,7 @@
           <a:p>
             <a:fld id="{1390EE51-D233-F14A-8725-ADCF8D5CB844}" type="datetimeFigureOut">
               <a:rPr lang="en-US" smtClean="0"/>
-              <a:t>8/29/13</a:t>
+              <a:t>1/15/15</a:t>
             </a:fld>
             <a:endParaRPr lang="en-US"/>
           </a:p>
@@ -1064,7 +1065,7 @@
           <a:p>
             <a:fld id="{1390EE51-D233-F14A-8725-ADCF8D5CB844}" type="datetimeFigureOut">
               <a:rPr lang="en-US" smtClean="0"/>
-              <a:t>8/29/13</a:t>
+              <a:t>1/15/15</a:t>
             </a:fld>
             <a:endParaRPr lang="en-US"/>
           </a:p>
@@ -1352,7 +1353,7 @@
           <a:p>
             <a:fld id="{1390EE51-D233-F14A-8725-ADCF8D5CB844}" type="datetimeFigureOut">
               <a:rPr lang="en-US" smtClean="0"/>
-              <a:t>8/29/13</a:t>
+              <a:t>1/15/15</a:t>
             </a:fld>
             <a:endParaRPr lang="en-US"/>
           </a:p>
@@ -1774,7 +1775,7 @@
           <a:p>
             <a:fld id="{1390EE51-D233-F14A-8725-ADCF8D5CB844}" type="datetimeFigureOut">
               <a:rPr lang="en-US" smtClean="0"/>
-              <a:t>8/29/13</a:t>
+              <a:t>1/15/15</a:t>
             </a:fld>
             <a:endParaRPr lang="en-US"/>
           </a:p>
@@ -1892,7 +1893,7 @@
           <a:p>
             <a:fld id="{1390EE51-D233-F14A-8725-ADCF8D5CB844}" type="datetimeFigureOut">
               <a:rPr lang="en-US" smtClean="0"/>
-              <a:t>8/29/13</a:t>
+              <a:t>1/15/15</a:t>
             </a:fld>
             <a:endParaRPr lang="en-US"/>
           </a:p>
@@ -1987,7 +1988,7 @@
           <a:p>
             <a:fld id="{1390EE51-D233-F14A-8725-ADCF8D5CB844}" type="datetimeFigureOut">
               <a:rPr lang="en-US" smtClean="0"/>
-              <a:t>8/29/13</a:t>
+              <a:t>1/15/15</a:t>
             </a:fld>
             <a:endParaRPr lang="en-US"/>
           </a:p>
@@ -2264,7 +2265,7 @@
           <a:p>
             <a:fld id="{1390EE51-D233-F14A-8725-ADCF8D5CB844}" type="datetimeFigureOut">
               <a:rPr lang="en-US" smtClean="0"/>
-              <a:t>8/29/13</a:t>
+              <a:t>1/15/15</a:t>
             </a:fld>
             <a:endParaRPr lang="en-US"/>
           </a:p>
@@ -2517,7 +2518,7 @@
           <a:p>
             <a:fld id="{1390EE51-D233-F14A-8725-ADCF8D5CB844}" type="datetimeFigureOut">
               <a:rPr lang="en-US" smtClean="0"/>
-              <a:t>8/29/13</a:t>
+              <a:t>1/15/15</a:t>
             </a:fld>
             <a:endParaRPr lang="en-US"/>
           </a:p>
@@ -2730,7 +2731,7 @@
           <a:p>
             <a:fld id="{1390EE51-D233-F14A-8725-ADCF8D5CB844}" type="datetimeFigureOut">
               <a:rPr lang="en-US" smtClean="0"/>
-              <a:t>8/29/13</a:t>
+              <a:t>1/15/15</a:t>
             </a:fld>
             <a:endParaRPr lang="en-US"/>
           </a:p>
@@ -3181,87 +3182,40 @@
           <a:chExt cx="0" cy="0"/>
         </a:xfrm>
       </p:grpSpPr>
-      <p:sp>
-        <p:nvSpPr>
-          <p:cNvPr id="2" name="Title 1"/>
-          <p:cNvSpPr>
-            <a:spLocks noGrp="1"/>
-          </p:cNvSpPr>
-          <p:nvPr>
-            <p:ph type="title"/>
-          </p:nvPr>
-        </p:nvSpPr>
-        <p:spPr/>
-        <p:txBody>
-          <a:bodyPr/>
-          <a:lstStyle/>
-          <a:p>
-            <a:r>
-              <a:rPr lang="en-US" dirty="0" smtClean="0"/>
-              <a:t>In class exercise</a:t>
-            </a:r>
-            <a:endParaRPr lang="en-US" dirty="0"/>
-          </a:p>
-        </p:txBody>
-      </p:sp>
-      <p:sp>
-        <p:nvSpPr>
-          <p:cNvPr id="3" name="Content Placeholder 2"/>
-          <p:cNvSpPr>
-            <a:spLocks noGrp="1"/>
-          </p:cNvSpPr>
-          <p:nvPr>
-            <p:ph idx="1"/>
-          </p:nvPr>
-        </p:nvSpPr>
-        <p:spPr/>
-        <p:txBody>
-          <a:bodyPr>
-            <a:normAutofit/>
-          </a:bodyPr>
-          <a:lstStyle/>
-          <a:p>
-            <a:r>
-              <a:rPr lang="en-US" dirty="0" smtClean="0"/>
-              <a:t>Google “Money on the Bench”</a:t>
-            </a:r>
-          </a:p>
-          <a:p>
-            <a:r>
-              <a:rPr lang="en-US" dirty="0" smtClean="0"/>
-              <a:t>What’s the lead?</a:t>
-            </a:r>
-          </a:p>
-          <a:p>
-            <a:r>
-              <a:rPr lang="en-US" dirty="0" smtClean="0"/>
-              <a:t>Nut graph?</a:t>
-            </a:r>
-          </a:p>
-          <a:p>
-            <a:r>
-              <a:rPr lang="en-US" dirty="0" smtClean="0"/>
-              <a:t>Body?</a:t>
-            </a:r>
-          </a:p>
-          <a:p>
-            <a:r>
-              <a:rPr lang="en-US" dirty="0" smtClean="0"/>
-              <a:t>Background and details?</a:t>
-            </a:r>
-          </a:p>
-          <a:p>
-            <a:r>
-              <a:rPr lang="en-US" dirty="0" smtClean="0"/>
-              <a:t>What did you take away from this? </a:t>
-            </a:r>
-          </a:p>
-        </p:txBody>
-      </p:sp>
+      <p:pic>
+        <p:nvPicPr>
+          <p:cNvPr id="2" name="Picture 1" descr="President_Map_-_Election_2012_-_NYTimes.com-2.png"/>
+          <p:cNvPicPr>
+            <a:picLocks noChangeAspect="1"/>
+          </p:cNvPicPr>
+          <p:nvPr/>
+        </p:nvPicPr>
+        <p:blipFill>
+          <a:blip r:embed="rId2">
+            <a:extLst>
+              <a:ext uri="{28A0092B-C50C-407E-A947-70E740481C1C}">
+                <a14:useLocalDpi xmlns:a14="http://schemas.microsoft.com/office/drawing/2010/main" val="0"/>
+              </a:ext>
+            </a:extLst>
+          </a:blip>
+          <a:stretch>
+            <a:fillRect/>
+          </a:stretch>
+        </p:blipFill>
+        <p:spPr>
+          <a:xfrm>
+            <a:off x="61950" y="0"/>
+            <a:ext cx="9029047" cy="6858000"/>
+          </a:xfrm>
+          <a:prstGeom prst="rect">
+            <a:avLst/>
+          </a:prstGeom>
+        </p:spPr>
+      </p:pic>
     </p:spTree>
     <p:extLst>
       <p:ext uri="{BB962C8B-B14F-4D97-AF65-F5344CB8AC3E}">
-        <p14:creationId xmlns:p14="http://schemas.microsoft.com/office/powerpoint/2010/main" val="276101938"/>
+        <p14:creationId xmlns:p14="http://schemas.microsoft.com/office/powerpoint/2010/main" val="826566669"/>
       </p:ext>
     </p:extLst>
   </p:cSld>
@@ -3305,7 +3259,7 @@
           <a:p>
             <a:r>
               <a:rPr lang="en-US" dirty="0" smtClean="0"/>
-              <a:t>Homework</a:t>
+              <a:t>In class exercise</a:t>
             </a:r>
             <a:endParaRPr lang="en-US" dirty="0"/>
           </a:p>
@@ -3330,53 +3284,128 @@
           <a:p>
             <a:r>
               <a:rPr lang="en-US" dirty="0" smtClean="0"/>
-              <a:t>Read </a:t>
+              <a:t>Google “Money on the Bench”</a:t>
+            </a:r>
+          </a:p>
+          <a:p>
+            <a:r>
+              <a:rPr lang="en-US" dirty="0" smtClean="0"/>
+              <a:t>What’s the lead?</a:t>
+            </a:r>
+          </a:p>
+          <a:p>
+            <a:r>
+              <a:rPr lang="en-US" dirty="0" smtClean="0"/>
+              <a:t>Nut graph?</a:t>
+            </a:r>
+          </a:p>
+          <a:p>
+            <a:r>
+              <a:rPr lang="en-US" dirty="0" smtClean="0"/>
+              <a:t>Body?</a:t>
+            </a:r>
+          </a:p>
+          <a:p>
+            <a:r>
+              <a:rPr lang="en-US" dirty="0" smtClean="0"/>
+              <a:t>Background and details?</a:t>
+            </a:r>
+          </a:p>
+          <a:p>
+            <a:r>
+              <a:rPr lang="en-US" dirty="0" smtClean="0"/>
+              <a:t>What did you take away from this? </a:t>
+            </a:r>
+          </a:p>
+        </p:txBody>
+      </p:sp>
+    </p:spTree>
+    <p:extLst>
+      <p:ext uri="{BB962C8B-B14F-4D97-AF65-F5344CB8AC3E}">
+        <p14:creationId xmlns:p14="http://schemas.microsoft.com/office/powerpoint/2010/main" val="276101938"/>
+      </p:ext>
+    </p:extLst>
+  </p:cSld>
+  <p:clrMapOvr>
+    <a:masterClrMapping/>
+  </p:clrMapOvr>
+</p:sld>
+</file>
+
+<file path=ppt/slides/slide12.xml><?xml version="1.0" encoding="utf-8"?>
+<p:sld xmlns:a="http://schemas.openxmlformats.org/drawingml/2006/main" xmlns:r="http://schemas.openxmlformats.org/officeDocument/2006/relationships" xmlns:p="http://schemas.openxmlformats.org/presentationml/2006/main">
+  <p:cSld>
+    <p:spTree>
+      <p:nvGrpSpPr>
+        <p:cNvPr id="1" name=""/>
+        <p:cNvGrpSpPr/>
+        <p:nvPr/>
+      </p:nvGrpSpPr>
+      <p:grpSpPr>
+        <a:xfrm>
+          <a:off x="0" y="0"/>
+          <a:ext cx="0" cy="0"/>
+          <a:chOff x="0" y="0"/>
+          <a:chExt cx="0" cy="0"/>
+        </a:xfrm>
+      </p:grpSpPr>
+      <p:sp>
+        <p:nvSpPr>
+          <p:cNvPr id="2" name="Title 1"/>
+          <p:cNvSpPr>
+            <a:spLocks noGrp="1"/>
+          </p:cNvSpPr>
+          <p:nvPr>
+            <p:ph type="title"/>
+          </p:nvPr>
+        </p:nvSpPr>
+        <p:spPr/>
+        <p:txBody>
+          <a:bodyPr/>
+          <a:lstStyle/>
+          <a:p>
+            <a:r>
+              <a:rPr lang="en-US" dirty="0" smtClean="0"/>
+              <a:t>Homework</a:t>
+            </a:r>
+            <a:endParaRPr lang="en-US" dirty="0"/>
+          </a:p>
+        </p:txBody>
+      </p:sp>
+      <p:sp>
+        <p:nvSpPr>
+          <p:cNvPr id="3" name="Content Placeholder 2"/>
+          <p:cNvSpPr>
+            <a:spLocks noGrp="1"/>
+          </p:cNvSpPr>
+          <p:nvPr>
+            <p:ph idx="1"/>
+          </p:nvPr>
+        </p:nvSpPr>
+        <p:spPr/>
+        <p:txBody>
+          <a:bodyPr>
+            <a:normAutofit/>
+          </a:bodyPr>
+          <a:lstStyle/>
+          <a:p>
+            <a:r>
+              <a:rPr lang="en-US" dirty="0" smtClean="0"/>
+              <a:t>See course schedule </a:t>
+            </a:r>
+            <a:r>
+              <a:rPr lang="en-US" dirty="0" smtClean="0"/>
+              <a:t>on </a:t>
             </a:r>
             <a:r>
               <a:rPr lang="en-US" dirty="0" err="1" smtClean="0"/>
-              <a:t>Tufte</a:t>
+              <a:t>GitHub</a:t>
             </a:r>
             <a:r>
               <a:rPr lang="en-US" dirty="0" smtClean="0"/>
-              <a:t> Chapter 1 Part 1 on Graphical Excellence (pg. 13-51).</a:t>
-            </a:r>
-          </a:p>
-          <a:p>
-            <a:r>
-              <a:rPr lang="en-US" dirty="0" smtClean="0"/>
-              <a:t>Read Kevin </a:t>
-            </a:r>
-            <a:r>
-              <a:rPr lang="en-US" dirty="0" err="1" smtClean="0"/>
-              <a:t>Quealy’s</a:t>
-            </a:r>
-            <a:r>
-              <a:rPr lang="en-US" dirty="0" smtClean="0"/>
-              <a:t> post on </a:t>
-            </a:r>
-            <a:r>
-              <a:rPr lang="en-US" dirty="0" err="1" smtClean="0"/>
-              <a:t>chartsnthings</a:t>
-            </a:r>
-            <a:r>
-              <a:rPr lang="en-US" dirty="0" smtClean="0"/>
-              <a:t> about Money on the Bench (third link in your Google search for money on the bench). </a:t>
-            </a:r>
-            <a:r>
-              <a:rPr lang="en-US" dirty="0" smtClean="0"/>
-              <a:t>Note the </a:t>
-            </a:r>
-            <a:r>
-              <a:rPr lang="en-US" smtClean="0"/>
-              <a:t>process.</a:t>
+              <a:t>.</a:t>
             </a:r>
             <a:endParaRPr lang="en-US" dirty="0" smtClean="0"/>
-          </a:p>
-          <a:p>
-            <a:r>
-              <a:rPr lang="en-US" dirty="0" smtClean="0"/>
-              <a:t>Update your forked course repository. Hint: Google “update forked repository” </a:t>
-            </a:r>
           </a:p>
           <a:p>
             <a:endParaRPr lang="en-US" dirty="0"/>
@@ -3961,6 +3990,66 @@
             <p:ph type="title"/>
           </p:nvPr>
         </p:nvSpPr>
+        <p:spPr>
+          <a:xfrm>
+            <a:off x="457200" y="2814848"/>
+            <a:ext cx="8229600" cy="1143000"/>
+          </a:xfrm>
+        </p:spPr>
+        <p:txBody>
+          <a:bodyPr>
+            <a:normAutofit fontScale="90000"/>
+          </a:bodyPr>
+          <a:lstStyle/>
+          <a:p>
+            <a:r>
+              <a:rPr lang="en-US" dirty="0" smtClean="0"/>
+              <a:t>The sad predictability in Google Trends</a:t>
+            </a:r>
+            <a:endParaRPr lang="en-US" dirty="0"/>
+          </a:p>
+        </p:txBody>
+      </p:sp>
+    </p:spTree>
+    <p:extLst>
+      <p:ext uri="{BB962C8B-B14F-4D97-AF65-F5344CB8AC3E}">
+        <p14:creationId xmlns:p14="http://schemas.microsoft.com/office/powerpoint/2010/main" val="2660932924"/>
+      </p:ext>
+    </p:extLst>
+  </p:cSld>
+  <p:clrMapOvr>
+    <a:masterClrMapping/>
+  </p:clrMapOvr>
+</p:sld>
+</file>
+
+<file path=ppt/slides/slide8.xml><?xml version="1.0" encoding="utf-8"?>
+<p:sld xmlns:a="http://schemas.openxmlformats.org/drawingml/2006/main" xmlns:r="http://schemas.openxmlformats.org/officeDocument/2006/relationships" xmlns:p="http://schemas.openxmlformats.org/presentationml/2006/main">
+  <p:cSld>
+    <p:spTree>
+      <p:nvGrpSpPr>
+        <p:cNvPr id="1" name=""/>
+        <p:cNvGrpSpPr/>
+        <p:nvPr/>
+      </p:nvGrpSpPr>
+      <p:grpSpPr>
+        <a:xfrm>
+          <a:off x="0" y="0"/>
+          <a:ext cx="0" cy="0"/>
+          <a:chOff x="0" y="0"/>
+          <a:chExt cx="0" cy="0"/>
+        </a:xfrm>
+      </p:grpSpPr>
+      <p:sp>
+        <p:nvSpPr>
+          <p:cNvPr id="2" name="Title 1"/>
+          <p:cNvSpPr>
+            <a:spLocks noGrp="1"/>
+          </p:cNvSpPr>
+          <p:nvPr>
+            <p:ph type="title"/>
+          </p:nvPr>
+        </p:nvSpPr>
         <p:spPr/>
         <p:txBody>
           <a:bodyPr/>
@@ -4034,7 +4123,7 @@
 </p:sld>
 </file>
 
-<file path=ppt/slides/slide8.xml><?xml version="1.0" encoding="utf-8"?>
+<file path=ppt/slides/slide9.xml><?xml version="1.0" encoding="utf-8"?>
 <p:sld xmlns:a="http://schemas.openxmlformats.org/drawingml/2006/main" xmlns:r="http://schemas.openxmlformats.org/officeDocument/2006/relationships" xmlns:p="http://schemas.openxmlformats.org/presentationml/2006/main">
   <p:cSld>
     <p:spTree>
@@ -4085,66 +4174,6 @@
     <p:extLst>
       <p:ext uri="{BB962C8B-B14F-4D97-AF65-F5344CB8AC3E}">
         <p14:creationId xmlns:p14="http://schemas.microsoft.com/office/powerpoint/2010/main" val="1189906800"/>
-      </p:ext>
-    </p:extLst>
-  </p:cSld>
-  <p:clrMapOvr>
-    <a:masterClrMapping/>
-  </p:clrMapOvr>
-</p:sld>
-</file>
-
-<file path=ppt/slides/slide9.xml><?xml version="1.0" encoding="utf-8"?>
-<p:sld xmlns:a="http://schemas.openxmlformats.org/drawingml/2006/main" xmlns:r="http://schemas.openxmlformats.org/officeDocument/2006/relationships" xmlns:p="http://schemas.openxmlformats.org/presentationml/2006/main">
-  <p:cSld>
-    <p:spTree>
-      <p:nvGrpSpPr>
-        <p:cNvPr id="1" name=""/>
-        <p:cNvGrpSpPr/>
-        <p:nvPr/>
-      </p:nvGrpSpPr>
-      <p:grpSpPr>
-        <a:xfrm>
-          <a:off x="0" y="0"/>
-          <a:ext cx="0" cy="0"/>
-          <a:chOff x="0" y="0"/>
-          <a:chExt cx="0" cy="0"/>
-        </a:xfrm>
-      </p:grpSpPr>
-      <p:pic>
-        <p:nvPicPr>
-          <p:cNvPr id="2" name="Picture 1" descr="President_Map_-_Election_2012_-_NYTimes.com-2.png"/>
-          <p:cNvPicPr>
-            <a:picLocks noChangeAspect="1"/>
-          </p:cNvPicPr>
-          <p:nvPr/>
-        </p:nvPicPr>
-        <p:blipFill>
-          <a:blip r:embed="rId2">
-            <a:extLst>
-              <a:ext uri="{28A0092B-C50C-407E-A947-70E740481C1C}">
-                <a14:useLocalDpi xmlns:a14="http://schemas.microsoft.com/office/drawing/2010/main" val="0"/>
-              </a:ext>
-            </a:extLst>
-          </a:blip>
-          <a:stretch>
-            <a:fillRect/>
-          </a:stretch>
-        </p:blipFill>
-        <p:spPr>
-          <a:xfrm>
-            <a:off x="61950" y="0"/>
-            <a:ext cx="9029047" cy="6858000"/>
-          </a:xfrm>
-          <a:prstGeom prst="rect">
-            <a:avLst/>
-          </a:prstGeom>
-        </p:spPr>
-      </p:pic>
-    </p:spTree>
-    <p:extLst>
-      <p:ext uri="{BB962C8B-B14F-4D97-AF65-F5344CB8AC3E}">
-        <p14:creationId xmlns:p14="http://schemas.microsoft.com/office/powerpoint/2010/main" val="826566669"/>
       </p:ext>
     </p:extLst>
   </p:cSld>

--- a/Lectures/Class2_WhatIsDataViz.pptx
+++ b/Lectures/Class2_WhatIsDataViz.pptx
@@ -11,12 +11,11 @@
     <p:sldId id="260" r:id="rId5"/>
     <p:sldId id="258" r:id="rId6"/>
     <p:sldId id="265" r:id="rId7"/>
-    <p:sldId id="267" r:id="rId8"/>
-    <p:sldId id="261" r:id="rId9"/>
-    <p:sldId id="262" r:id="rId10"/>
-    <p:sldId id="263" r:id="rId11"/>
-    <p:sldId id="264" r:id="rId12"/>
-    <p:sldId id="266" r:id="rId13"/>
+    <p:sldId id="261" r:id="rId8"/>
+    <p:sldId id="262" r:id="rId9"/>
+    <p:sldId id="263" r:id="rId10"/>
+    <p:sldId id="264" r:id="rId11"/>
+    <p:sldId id="266" r:id="rId12"/>
   </p:sldIdLst>
   <p:sldSz cx="9144000" cy="6858000" type="screen4x3"/>
   <p:notesSz cx="6858000" cy="9144000"/>
@@ -299,7 +298,7 @@
           <a:p>
             <a:fld id="{1390EE51-D233-F14A-8725-ADCF8D5CB844}" type="datetimeFigureOut">
               <a:rPr lang="en-US" smtClean="0"/>
-              <a:t>1/15/15</a:t>
+              <a:t>8/25/16</a:t>
             </a:fld>
             <a:endParaRPr lang="en-US"/>
           </a:p>
@@ -469,7 +468,7 @@
           <a:p>
             <a:fld id="{1390EE51-D233-F14A-8725-ADCF8D5CB844}" type="datetimeFigureOut">
               <a:rPr lang="en-US" smtClean="0"/>
-              <a:t>1/15/15</a:t>
+              <a:t>8/25/16</a:t>
             </a:fld>
             <a:endParaRPr lang="en-US"/>
           </a:p>
@@ -649,7 +648,7 @@
           <a:p>
             <a:fld id="{1390EE51-D233-F14A-8725-ADCF8D5CB844}" type="datetimeFigureOut">
               <a:rPr lang="en-US" smtClean="0"/>
-              <a:t>1/15/15</a:t>
+              <a:t>8/25/16</a:t>
             </a:fld>
             <a:endParaRPr lang="en-US"/>
           </a:p>
@@ -819,7 +818,7 @@
           <a:p>
             <a:fld id="{1390EE51-D233-F14A-8725-ADCF8D5CB844}" type="datetimeFigureOut">
               <a:rPr lang="en-US" smtClean="0"/>
-              <a:t>1/15/15</a:t>
+              <a:t>8/25/16</a:t>
             </a:fld>
             <a:endParaRPr lang="en-US"/>
           </a:p>
@@ -1065,7 +1064,7 @@
           <a:p>
             <a:fld id="{1390EE51-D233-F14A-8725-ADCF8D5CB844}" type="datetimeFigureOut">
               <a:rPr lang="en-US" smtClean="0"/>
-              <a:t>1/15/15</a:t>
+              <a:t>8/25/16</a:t>
             </a:fld>
             <a:endParaRPr lang="en-US"/>
           </a:p>
@@ -1353,7 +1352,7 @@
           <a:p>
             <a:fld id="{1390EE51-D233-F14A-8725-ADCF8D5CB844}" type="datetimeFigureOut">
               <a:rPr lang="en-US" smtClean="0"/>
-              <a:t>1/15/15</a:t>
+              <a:t>8/25/16</a:t>
             </a:fld>
             <a:endParaRPr lang="en-US"/>
           </a:p>
@@ -1775,7 +1774,7 @@
           <a:p>
             <a:fld id="{1390EE51-D233-F14A-8725-ADCF8D5CB844}" type="datetimeFigureOut">
               <a:rPr lang="en-US" smtClean="0"/>
-              <a:t>1/15/15</a:t>
+              <a:t>8/25/16</a:t>
             </a:fld>
             <a:endParaRPr lang="en-US"/>
           </a:p>
@@ -1893,7 +1892,7 @@
           <a:p>
             <a:fld id="{1390EE51-D233-F14A-8725-ADCF8D5CB844}" type="datetimeFigureOut">
               <a:rPr lang="en-US" smtClean="0"/>
-              <a:t>1/15/15</a:t>
+              <a:t>8/25/16</a:t>
             </a:fld>
             <a:endParaRPr lang="en-US"/>
           </a:p>
@@ -1988,7 +1987,7 @@
           <a:p>
             <a:fld id="{1390EE51-D233-F14A-8725-ADCF8D5CB844}" type="datetimeFigureOut">
               <a:rPr lang="en-US" smtClean="0"/>
-              <a:t>1/15/15</a:t>
+              <a:t>8/25/16</a:t>
             </a:fld>
             <a:endParaRPr lang="en-US"/>
           </a:p>
@@ -2265,7 +2264,7 @@
           <a:p>
             <a:fld id="{1390EE51-D233-F14A-8725-ADCF8D5CB844}" type="datetimeFigureOut">
               <a:rPr lang="en-US" smtClean="0"/>
-              <a:t>1/15/15</a:t>
+              <a:t>8/25/16</a:t>
             </a:fld>
             <a:endParaRPr lang="en-US"/>
           </a:p>
@@ -2518,7 +2517,7 @@
           <a:p>
             <a:fld id="{1390EE51-D233-F14A-8725-ADCF8D5CB844}" type="datetimeFigureOut">
               <a:rPr lang="en-US" smtClean="0"/>
-              <a:t>1/15/15</a:t>
+              <a:t>8/25/16</a:t>
             </a:fld>
             <a:endParaRPr lang="en-US"/>
           </a:p>
@@ -2731,7 +2730,7 @@
           <a:p>
             <a:fld id="{1390EE51-D233-F14A-8725-ADCF8D5CB844}" type="datetimeFigureOut">
               <a:rPr lang="en-US" smtClean="0"/>
-              <a:t>1/15/15</a:t>
+              <a:t>8/25/16</a:t>
             </a:fld>
             <a:endParaRPr lang="en-US"/>
           </a:p>
@@ -3182,40 +3181,87 @@
           <a:chExt cx="0" cy="0"/>
         </a:xfrm>
       </p:grpSpPr>
-      <p:pic>
-        <p:nvPicPr>
-          <p:cNvPr id="2" name="Picture 1" descr="President_Map_-_Election_2012_-_NYTimes.com-2.png"/>
-          <p:cNvPicPr>
-            <a:picLocks noChangeAspect="1"/>
-          </p:cNvPicPr>
-          <p:nvPr/>
-        </p:nvPicPr>
-        <p:blipFill>
-          <a:blip r:embed="rId2">
-            <a:extLst>
-              <a:ext uri="{28A0092B-C50C-407E-A947-70E740481C1C}">
-                <a14:useLocalDpi xmlns:a14="http://schemas.microsoft.com/office/drawing/2010/main" val="0"/>
-              </a:ext>
-            </a:extLst>
-          </a:blip>
-          <a:stretch>
-            <a:fillRect/>
-          </a:stretch>
-        </p:blipFill>
-        <p:spPr>
-          <a:xfrm>
-            <a:off x="61950" y="0"/>
-            <a:ext cx="9029047" cy="6858000"/>
-          </a:xfrm>
-          <a:prstGeom prst="rect">
-            <a:avLst/>
-          </a:prstGeom>
-        </p:spPr>
-      </p:pic>
+      <p:sp>
+        <p:nvSpPr>
+          <p:cNvPr id="2" name="Title 1"/>
+          <p:cNvSpPr>
+            <a:spLocks noGrp="1"/>
+          </p:cNvSpPr>
+          <p:nvPr>
+            <p:ph type="title"/>
+          </p:nvPr>
+        </p:nvSpPr>
+        <p:spPr/>
+        <p:txBody>
+          <a:bodyPr/>
+          <a:lstStyle/>
+          <a:p>
+            <a:r>
+              <a:rPr lang="en-US" dirty="0" smtClean="0"/>
+              <a:t>In class exercise</a:t>
+            </a:r>
+            <a:endParaRPr lang="en-US" dirty="0"/>
+          </a:p>
+        </p:txBody>
+      </p:sp>
+      <p:sp>
+        <p:nvSpPr>
+          <p:cNvPr id="3" name="Content Placeholder 2"/>
+          <p:cNvSpPr>
+            <a:spLocks noGrp="1"/>
+          </p:cNvSpPr>
+          <p:nvPr>
+            <p:ph idx="1"/>
+          </p:nvPr>
+        </p:nvSpPr>
+        <p:spPr/>
+        <p:txBody>
+          <a:bodyPr>
+            <a:normAutofit/>
+          </a:bodyPr>
+          <a:lstStyle/>
+          <a:p>
+            <a:r>
+              <a:rPr lang="en-US" dirty="0" smtClean="0"/>
+              <a:t>Google “Money on the Bench”</a:t>
+            </a:r>
+          </a:p>
+          <a:p>
+            <a:r>
+              <a:rPr lang="en-US" dirty="0" smtClean="0"/>
+              <a:t>What’s the lead?</a:t>
+            </a:r>
+          </a:p>
+          <a:p>
+            <a:r>
+              <a:rPr lang="en-US" dirty="0" smtClean="0"/>
+              <a:t>Nut graph?</a:t>
+            </a:r>
+          </a:p>
+          <a:p>
+            <a:r>
+              <a:rPr lang="en-US" dirty="0" smtClean="0"/>
+              <a:t>Body?</a:t>
+            </a:r>
+          </a:p>
+          <a:p>
+            <a:r>
+              <a:rPr lang="en-US" dirty="0" smtClean="0"/>
+              <a:t>Background and details?</a:t>
+            </a:r>
+          </a:p>
+          <a:p>
+            <a:r>
+              <a:rPr lang="en-US" dirty="0" smtClean="0"/>
+              <a:t>What did you take away from this? </a:t>
+            </a:r>
+          </a:p>
+        </p:txBody>
+      </p:sp>
     </p:spTree>
     <p:extLst>
       <p:ext uri="{BB962C8B-B14F-4D97-AF65-F5344CB8AC3E}">
-        <p14:creationId xmlns:p14="http://schemas.microsoft.com/office/powerpoint/2010/main" val="826566669"/>
+        <p14:creationId xmlns:p14="http://schemas.microsoft.com/office/powerpoint/2010/main" val="276101938"/>
       </p:ext>
     </p:extLst>
   </p:cSld>
@@ -3259,7 +3305,7 @@
           <a:p>
             <a:r>
               <a:rPr lang="en-US" dirty="0" smtClean="0"/>
-              <a:t>In class exercise</a:t>
+              <a:t>Homework</a:t>
             </a:r>
             <a:endParaRPr lang="en-US" dirty="0"/>
           </a:p>
@@ -3284,118 +3330,7 @@
           <a:p>
             <a:r>
               <a:rPr lang="en-US" dirty="0" smtClean="0"/>
-              <a:t>Google “Money on the Bench”</a:t>
-            </a:r>
-          </a:p>
-          <a:p>
-            <a:r>
-              <a:rPr lang="en-US" dirty="0" smtClean="0"/>
-              <a:t>What’s the lead?</a:t>
-            </a:r>
-          </a:p>
-          <a:p>
-            <a:r>
-              <a:rPr lang="en-US" dirty="0" smtClean="0"/>
-              <a:t>Nut graph?</a:t>
-            </a:r>
-          </a:p>
-          <a:p>
-            <a:r>
-              <a:rPr lang="en-US" dirty="0" smtClean="0"/>
-              <a:t>Body?</a:t>
-            </a:r>
-          </a:p>
-          <a:p>
-            <a:r>
-              <a:rPr lang="en-US" dirty="0" smtClean="0"/>
-              <a:t>Background and details?</a:t>
-            </a:r>
-          </a:p>
-          <a:p>
-            <a:r>
-              <a:rPr lang="en-US" dirty="0" smtClean="0"/>
-              <a:t>What did you take away from this? </a:t>
-            </a:r>
-          </a:p>
-        </p:txBody>
-      </p:sp>
-    </p:spTree>
-    <p:extLst>
-      <p:ext uri="{BB962C8B-B14F-4D97-AF65-F5344CB8AC3E}">
-        <p14:creationId xmlns:p14="http://schemas.microsoft.com/office/powerpoint/2010/main" val="276101938"/>
-      </p:ext>
-    </p:extLst>
-  </p:cSld>
-  <p:clrMapOvr>
-    <a:masterClrMapping/>
-  </p:clrMapOvr>
-</p:sld>
-</file>
-
-<file path=ppt/slides/slide12.xml><?xml version="1.0" encoding="utf-8"?>
-<p:sld xmlns:a="http://schemas.openxmlformats.org/drawingml/2006/main" xmlns:r="http://schemas.openxmlformats.org/officeDocument/2006/relationships" xmlns:p="http://schemas.openxmlformats.org/presentationml/2006/main">
-  <p:cSld>
-    <p:spTree>
-      <p:nvGrpSpPr>
-        <p:cNvPr id="1" name=""/>
-        <p:cNvGrpSpPr/>
-        <p:nvPr/>
-      </p:nvGrpSpPr>
-      <p:grpSpPr>
-        <a:xfrm>
-          <a:off x="0" y="0"/>
-          <a:ext cx="0" cy="0"/>
-          <a:chOff x="0" y="0"/>
-          <a:chExt cx="0" cy="0"/>
-        </a:xfrm>
-      </p:grpSpPr>
-      <p:sp>
-        <p:nvSpPr>
-          <p:cNvPr id="2" name="Title 1"/>
-          <p:cNvSpPr>
-            <a:spLocks noGrp="1"/>
-          </p:cNvSpPr>
-          <p:nvPr>
-            <p:ph type="title"/>
-          </p:nvPr>
-        </p:nvSpPr>
-        <p:spPr/>
-        <p:txBody>
-          <a:bodyPr/>
-          <a:lstStyle/>
-          <a:p>
-            <a:r>
-              <a:rPr lang="en-US" dirty="0" smtClean="0"/>
-              <a:t>Homework</a:t>
-            </a:r>
-            <a:endParaRPr lang="en-US" dirty="0"/>
-          </a:p>
-        </p:txBody>
-      </p:sp>
-      <p:sp>
-        <p:nvSpPr>
-          <p:cNvPr id="3" name="Content Placeholder 2"/>
-          <p:cNvSpPr>
-            <a:spLocks noGrp="1"/>
-          </p:cNvSpPr>
-          <p:nvPr>
-            <p:ph idx="1"/>
-          </p:nvPr>
-        </p:nvSpPr>
-        <p:spPr/>
-        <p:txBody>
-          <a:bodyPr>
-            <a:normAutofit/>
-          </a:bodyPr>
-          <a:lstStyle/>
-          <a:p>
-            <a:r>
-              <a:rPr lang="en-US" dirty="0" smtClean="0"/>
-              <a:t>See course schedule </a:t>
-            </a:r>
-            <a:r>
-              <a:rPr lang="en-US" dirty="0" smtClean="0"/>
-              <a:t>on </a:t>
+              <a:t>See course schedule on </a:t>
             </a:r>
             <a:r>
               <a:rPr lang="en-US" dirty="0" err="1" smtClean="0"/>
@@ -3405,7 +3340,6 @@
               <a:rPr lang="en-US" dirty="0" smtClean="0"/>
               <a:t>.</a:t>
             </a:r>
-            <a:endParaRPr lang="en-US" dirty="0" smtClean="0"/>
           </a:p>
           <a:p>
             <a:endParaRPr lang="en-US" dirty="0"/>
@@ -3990,66 +3924,6 @@
             <p:ph type="title"/>
           </p:nvPr>
         </p:nvSpPr>
-        <p:spPr>
-          <a:xfrm>
-            <a:off x="457200" y="2814848"/>
-            <a:ext cx="8229600" cy="1143000"/>
-          </a:xfrm>
-        </p:spPr>
-        <p:txBody>
-          <a:bodyPr>
-            <a:normAutofit fontScale="90000"/>
-          </a:bodyPr>
-          <a:lstStyle/>
-          <a:p>
-            <a:r>
-              <a:rPr lang="en-US" dirty="0" smtClean="0"/>
-              <a:t>The sad predictability in Google Trends</a:t>
-            </a:r>
-            <a:endParaRPr lang="en-US" dirty="0"/>
-          </a:p>
-        </p:txBody>
-      </p:sp>
-    </p:spTree>
-    <p:extLst>
-      <p:ext uri="{BB962C8B-B14F-4D97-AF65-F5344CB8AC3E}">
-        <p14:creationId xmlns:p14="http://schemas.microsoft.com/office/powerpoint/2010/main" val="2660932924"/>
-      </p:ext>
-    </p:extLst>
-  </p:cSld>
-  <p:clrMapOvr>
-    <a:masterClrMapping/>
-  </p:clrMapOvr>
-</p:sld>
-</file>
-
-<file path=ppt/slides/slide8.xml><?xml version="1.0" encoding="utf-8"?>
-<p:sld xmlns:a="http://schemas.openxmlformats.org/drawingml/2006/main" xmlns:r="http://schemas.openxmlformats.org/officeDocument/2006/relationships" xmlns:p="http://schemas.openxmlformats.org/presentationml/2006/main">
-  <p:cSld>
-    <p:spTree>
-      <p:nvGrpSpPr>
-        <p:cNvPr id="1" name=""/>
-        <p:cNvGrpSpPr/>
-        <p:nvPr/>
-      </p:nvGrpSpPr>
-      <p:grpSpPr>
-        <a:xfrm>
-          <a:off x="0" y="0"/>
-          <a:ext cx="0" cy="0"/>
-          <a:chOff x="0" y="0"/>
-          <a:chExt cx="0" cy="0"/>
-        </a:xfrm>
-      </p:grpSpPr>
-      <p:sp>
-        <p:nvSpPr>
-          <p:cNvPr id="2" name="Title 1"/>
-          <p:cNvSpPr>
-            <a:spLocks noGrp="1"/>
-          </p:cNvSpPr>
-          <p:nvPr>
-            <p:ph type="title"/>
-          </p:nvPr>
-        </p:nvSpPr>
         <p:spPr/>
         <p:txBody>
           <a:bodyPr/>
@@ -4123,7 +3997,7 @@
 </p:sld>
 </file>
 
-<file path=ppt/slides/slide9.xml><?xml version="1.0" encoding="utf-8"?>
+<file path=ppt/slides/slide8.xml><?xml version="1.0" encoding="utf-8"?>
 <p:sld xmlns:a="http://schemas.openxmlformats.org/drawingml/2006/main" xmlns:r="http://schemas.openxmlformats.org/officeDocument/2006/relationships" xmlns:p="http://schemas.openxmlformats.org/presentationml/2006/main">
   <p:cSld>
     <p:spTree>
@@ -4174,6 +4048,66 @@
     <p:extLst>
       <p:ext uri="{BB962C8B-B14F-4D97-AF65-F5344CB8AC3E}">
         <p14:creationId xmlns:p14="http://schemas.microsoft.com/office/powerpoint/2010/main" val="1189906800"/>
+      </p:ext>
+    </p:extLst>
+  </p:cSld>
+  <p:clrMapOvr>
+    <a:masterClrMapping/>
+  </p:clrMapOvr>
+</p:sld>
+</file>
+
+<file path=ppt/slides/slide9.xml><?xml version="1.0" encoding="utf-8"?>
+<p:sld xmlns:a="http://schemas.openxmlformats.org/drawingml/2006/main" xmlns:r="http://schemas.openxmlformats.org/officeDocument/2006/relationships" xmlns:p="http://schemas.openxmlformats.org/presentationml/2006/main">
+  <p:cSld>
+    <p:spTree>
+      <p:nvGrpSpPr>
+        <p:cNvPr id="1" name=""/>
+        <p:cNvGrpSpPr/>
+        <p:nvPr/>
+      </p:nvGrpSpPr>
+      <p:grpSpPr>
+        <a:xfrm>
+          <a:off x="0" y="0"/>
+          <a:ext cx="0" cy="0"/>
+          <a:chOff x="0" y="0"/>
+          <a:chExt cx="0" cy="0"/>
+        </a:xfrm>
+      </p:grpSpPr>
+      <p:pic>
+        <p:nvPicPr>
+          <p:cNvPr id="2" name="Picture 1" descr="President_Map_-_Election_2012_-_NYTimes.com-2.png"/>
+          <p:cNvPicPr>
+            <a:picLocks noChangeAspect="1"/>
+          </p:cNvPicPr>
+          <p:nvPr/>
+        </p:nvPicPr>
+        <p:blipFill>
+          <a:blip r:embed="rId2">
+            <a:extLst>
+              <a:ext uri="{28A0092B-C50C-407E-A947-70E740481C1C}">
+                <a14:useLocalDpi xmlns:a14="http://schemas.microsoft.com/office/drawing/2010/main" val="0"/>
+              </a:ext>
+            </a:extLst>
+          </a:blip>
+          <a:stretch>
+            <a:fillRect/>
+          </a:stretch>
+        </p:blipFill>
+        <p:spPr>
+          <a:xfrm>
+            <a:off x="61950" y="0"/>
+            <a:ext cx="9029047" cy="6858000"/>
+          </a:xfrm>
+          <a:prstGeom prst="rect">
+            <a:avLst/>
+          </a:prstGeom>
+        </p:spPr>
+      </p:pic>
+    </p:spTree>
+    <p:extLst>
+      <p:ext uri="{BB962C8B-B14F-4D97-AF65-F5344CB8AC3E}">
+        <p14:creationId xmlns:p14="http://schemas.microsoft.com/office/powerpoint/2010/main" val="826566669"/>
       </p:ext>
     </p:extLst>
   </p:cSld>
